--- a/A-TEAM Presentation.pptx
+++ b/A-TEAM Presentation.pptx
@@ -13,7 +13,8 @@
     <p:sldId id="259" r:id="rId7"/>
     <p:sldId id="263" r:id="rId8"/>
     <p:sldId id="261" r:id="rId9"/>
-    <p:sldId id="262" r:id="rId10"/>
+    <p:sldId id="265" r:id="rId10"/>
+    <p:sldId id="262" r:id="rId11"/>
   </p:sldIdLst>
   <p:sldSz cx="12192000" cy="6858000"/>
   <p:notesSz cx="6858000" cy="9144000"/>
@@ -112,7 +113,96 @@
       </a:defRPr>
     </a:lvl9pPr>
   </p:defaultTextStyle>
+  <p:extLst>
+    <p:ext uri="{EFAFB233-063F-42B5-8137-9DF3F51BA10A}">
+      <p15:sldGuideLst xmlns:p15="http://schemas.microsoft.com/office/powerpoint/2012/main"/>
+    </p:ext>
+  </p:extLst>
 </p:presentation>
+</file>
+
+<file path=ppt/revisionInfo.xml><?xml version="1.0" encoding="utf-8"?>
+<p1510:revInfo xmlns:a="http://schemas.openxmlformats.org/drawingml/2006/main" xmlns:r="http://schemas.openxmlformats.org/officeDocument/2006/relationships" xmlns:p1510="http://schemas.microsoft.com/office/powerpoint/2015/10/main">
+  <p1510:revLst>
+    <p1510:client id="{DE07D712-E105-4901-A541-141B5B8FFA99}" v="3" dt="2020-02-04T03:52:16.165"/>
+  </p1510:revLst>
+</p1510:revInfo>
+</file>
+
+<file path=ppt/changesInfos/changesInfo1.xml><?xml version="1.0" encoding="utf-8"?>
+<pc:chgInfo xmlns:a="http://schemas.openxmlformats.org/drawingml/2006/main" xmlns:r="http://schemas.openxmlformats.org/officeDocument/2006/relationships" xmlns:ac="http://schemas.microsoft.com/office/drawing/2013/main/command" xmlns:pc="http://schemas.microsoft.com/office/powerpoint/2013/main/command">
+  <pc:docChgLst>
+    <pc:chgData name="Shane Gary" userId="c40b3f5974e51e12" providerId="LiveId" clId="{DE07D712-E105-4901-A541-141B5B8FFA99}"/>
+    <pc:docChg chg="custSel addSld modSld">
+      <pc:chgData name="Shane Gary" userId="c40b3f5974e51e12" providerId="LiveId" clId="{DE07D712-E105-4901-A541-141B5B8FFA99}" dt="2020-02-04T03:52:24.564" v="69" actId="478"/>
+      <pc:docMkLst>
+        <pc:docMk/>
+      </pc:docMkLst>
+      <pc:sldChg chg="addSp delSp modSp">
+        <pc:chgData name="Shane Gary" userId="c40b3f5974e51e12" providerId="LiveId" clId="{DE07D712-E105-4901-A541-141B5B8FFA99}" dt="2020-02-04T03:52:24.564" v="69" actId="478"/>
+        <pc:sldMkLst>
+          <pc:docMk/>
+          <pc:sldMk cId="3404426848" sldId="261"/>
+        </pc:sldMkLst>
+        <pc:spChg chg="mod">
+          <ac:chgData name="Shane Gary" userId="c40b3f5974e51e12" providerId="LiveId" clId="{DE07D712-E105-4901-A541-141B5B8FFA99}" dt="2020-02-04T03:09:24.363" v="56" actId="20577"/>
+          <ac:spMkLst>
+            <pc:docMk/>
+            <pc:sldMk cId="3404426848" sldId="261"/>
+            <ac:spMk id="2" creationId="{FA27E6BA-EABA-47E1-940A-07387DCEA4B0}"/>
+          </ac:spMkLst>
+        </pc:spChg>
+        <pc:spChg chg="del mod">
+          <ac:chgData name="Shane Gary" userId="c40b3f5974e51e12" providerId="LiveId" clId="{DE07D712-E105-4901-A541-141B5B8FFA99}" dt="2020-02-04T03:20:15.666" v="58"/>
+          <ac:spMkLst>
+            <pc:docMk/>
+            <pc:sldMk cId="3404426848" sldId="261"/>
+            <ac:spMk id="3" creationId="{814F06DC-BB99-410A-B6D7-D59012E03943}"/>
+          </ac:spMkLst>
+        </pc:spChg>
+        <pc:spChg chg="add del mod">
+          <ac:chgData name="Shane Gary" userId="c40b3f5974e51e12" providerId="LiveId" clId="{DE07D712-E105-4901-A541-141B5B8FFA99}" dt="2020-02-04T03:20:48.469" v="63"/>
+          <ac:spMkLst>
+            <pc:docMk/>
+            <pc:sldMk cId="3404426848" sldId="261"/>
+            <ac:spMk id="7" creationId="{56EF41DA-039F-45C8-A1CB-A84F362E7790}"/>
+          </ac:spMkLst>
+        </pc:spChg>
+        <pc:spChg chg="add mod">
+          <ac:chgData name="Shane Gary" userId="c40b3f5974e51e12" providerId="LiveId" clId="{DE07D712-E105-4901-A541-141B5B8FFA99}" dt="2020-02-04T03:52:24.564" v="69" actId="478"/>
+          <ac:spMkLst>
+            <pc:docMk/>
+            <pc:sldMk cId="3404426848" sldId="261"/>
+            <ac:spMk id="11" creationId="{FADF1EAA-C95F-4A28-BBD3-F6129D0760B8}"/>
+          </ac:spMkLst>
+        </pc:spChg>
+        <pc:picChg chg="add del mod">
+          <ac:chgData name="Shane Gary" userId="c40b3f5974e51e12" providerId="LiveId" clId="{DE07D712-E105-4901-A541-141B5B8FFA99}" dt="2020-02-04T03:20:30.779" v="62" actId="478"/>
+          <ac:picMkLst>
+            <pc:docMk/>
+            <pc:sldMk cId="3404426848" sldId="261"/>
+            <ac:picMk id="5" creationId="{BEBFAEA7-6A01-4E4E-84A5-A2051AE59EE0}"/>
+          </ac:picMkLst>
+        </pc:picChg>
+        <pc:picChg chg="add del mod">
+          <ac:chgData name="Shane Gary" userId="c40b3f5974e51e12" providerId="LiveId" clId="{DE07D712-E105-4901-A541-141B5B8FFA99}" dt="2020-02-04T03:52:24.564" v="69" actId="478"/>
+          <ac:picMkLst>
+            <pc:docMk/>
+            <pc:sldMk cId="3404426848" sldId="261"/>
+            <ac:picMk id="9" creationId="{59BDCEAA-F3B5-49AE-A4E9-FB09BD04FCAE}"/>
+          </ac:picMkLst>
+        </pc:picChg>
+      </pc:sldChg>
+      <pc:sldChg chg="add">
+        <pc:chgData name="Shane Gary" userId="c40b3f5974e51e12" providerId="LiveId" clId="{DE07D712-E105-4901-A541-141B5B8FFA99}" dt="2020-02-04T03:52:16.162" v="68"/>
+        <pc:sldMkLst>
+          <pc:docMk/>
+          <pc:sldMk cId="330871973" sldId="265"/>
+        </pc:sldMkLst>
+      </pc:sldChg>
+    </pc:docChg>
+  </pc:docChgLst>
+</pc:chgInfo>
 </file>
 
 <file path=ppt/slideLayouts/slideLayout1.xml><?xml version="1.0" encoding="utf-8"?>
@@ -286,7 +376,7 @@
           <a:p>
             <a:fld id="{48A87A34-81AB-432B-8DAE-1953F412C126}" type="datetimeFigureOut">
               <a:rPr lang="en-US" dirty="0"/>
-              <a:t>2/1/2020</a:t>
+              <a:t>2/3/2020</a:t>
             </a:fld>
             <a:endParaRPr lang="en-US" dirty="0"/>
           </a:p>
@@ -596,7 +686,7 @@
           <a:p>
             <a:fld id="{48A87A34-81AB-432B-8DAE-1953F412C126}" type="datetimeFigureOut">
               <a:rPr lang="en-US" dirty="0"/>
-              <a:t>2/1/2020</a:t>
+              <a:t>2/3/2020</a:t>
             </a:fld>
             <a:endParaRPr lang="en-US" dirty="0"/>
           </a:p>
@@ -813,7 +903,7 @@
           <a:p>
             <a:fld id="{48A87A34-81AB-432B-8DAE-1953F412C126}" type="datetimeFigureOut">
               <a:rPr lang="en-US" dirty="0"/>
-              <a:t>2/1/2020</a:t>
+              <a:t>2/3/2020</a:t>
             </a:fld>
             <a:endParaRPr lang="en-US" dirty="0"/>
           </a:p>
@@ -1099,7 +1189,7 @@
           <a:p>
             <a:fld id="{48A87A34-81AB-432B-8DAE-1953F412C126}" type="datetimeFigureOut">
               <a:rPr lang="en-US" dirty="0"/>
-              <a:t>2/1/2020</a:t>
+              <a:t>2/3/2020</a:t>
             </a:fld>
             <a:endParaRPr lang="en-US" dirty="0"/>
           </a:p>
@@ -1548,7 +1638,7 @@
           <a:p>
             <a:fld id="{48A87A34-81AB-432B-8DAE-1953F412C126}" type="datetimeFigureOut">
               <a:rPr lang="en-US" dirty="0"/>
-              <a:t>2/1/2020</a:t>
+              <a:t>2/3/2020</a:t>
             </a:fld>
             <a:endParaRPr lang="en-US" dirty="0"/>
           </a:p>
@@ -2119,7 +2209,7 @@
           <a:p>
             <a:fld id="{48A87A34-81AB-432B-8DAE-1953F412C126}" type="datetimeFigureOut">
               <a:rPr lang="en-US" dirty="0"/>
-              <a:t>2/1/2020</a:t>
+              <a:t>2/3/2020</a:t>
             </a:fld>
             <a:endParaRPr lang="en-US" dirty="0"/>
           </a:p>
@@ -2975,7 +3065,7 @@
           <a:p>
             <a:fld id="{48A87A34-81AB-432B-8DAE-1953F412C126}" type="datetimeFigureOut">
               <a:rPr lang="en-US" dirty="0"/>
-              <a:t>2/1/2020</a:t>
+              <a:t>2/3/2020</a:t>
             </a:fld>
             <a:endParaRPr lang="en-US" dirty="0"/>
           </a:p>
@@ -3175,7 +3265,7 @@
           <a:p>
             <a:fld id="{48A87A34-81AB-432B-8DAE-1953F412C126}" type="datetimeFigureOut">
               <a:rPr lang="en-US" dirty="0"/>
-              <a:t>2/1/2020</a:t>
+              <a:t>2/3/2020</a:t>
             </a:fld>
             <a:endParaRPr lang="en-US" dirty="0"/>
           </a:p>
@@ -3384,7 +3474,7 @@
           <a:p>
             <a:fld id="{48A87A34-81AB-432B-8DAE-1953F412C126}" type="datetimeFigureOut">
               <a:rPr lang="en-US" dirty="0"/>
-              <a:t>2/1/2020</a:t>
+              <a:t>2/3/2020</a:t>
             </a:fld>
             <a:endParaRPr lang="en-US" dirty="0"/>
           </a:p>
@@ -3584,7 +3674,7 @@
           <a:p>
             <a:fld id="{48A87A34-81AB-432B-8DAE-1953F412C126}" type="datetimeFigureOut">
               <a:rPr lang="en-US" dirty="0"/>
-              <a:t>2/1/2020</a:t>
+              <a:t>2/3/2020</a:t>
             </a:fld>
             <a:endParaRPr lang="en-US" dirty="0"/>
           </a:p>
@@ -3859,7 +3949,7 @@
           <a:p>
             <a:fld id="{48A87A34-81AB-432B-8DAE-1953F412C126}" type="datetimeFigureOut">
               <a:rPr lang="en-US" dirty="0"/>
-              <a:t>2/1/2020</a:t>
+              <a:t>2/3/2020</a:t>
             </a:fld>
             <a:endParaRPr lang="en-US" dirty="0"/>
           </a:p>
@@ -4121,7 +4211,7 @@
           <a:p>
             <a:fld id="{48A87A34-81AB-432B-8DAE-1953F412C126}" type="datetimeFigureOut">
               <a:rPr lang="en-US" dirty="0"/>
-              <a:t>2/1/2020</a:t>
+              <a:t>2/3/2020</a:t>
             </a:fld>
             <a:endParaRPr lang="en-US" dirty="0"/>
           </a:p>
@@ -4531,7 +4621,7 @@
           <a:p>
             <a:fld id="{48A87A34-81AB-432B-8DAE-1953F412C126}" type="datetimeFigureOut">
               <a:rPr lang="en-US" dirty="0"/>
-              <a:t>2/1/2020</a:t>
+              <a:t>2/3/2020</a:t>
             </a:fld>
             <a:endParaRPr lang="en-US" dirty="0"/>
           </a:p>
@@ -4674,7 +4764,7 @@
           <a:p>
             <a:fld id="{48A87A34-81AB-432B-8DAE-1953F412C126}" type="datetimeFigureOut">
               <a:rPr lang="en-US" dirty="0"/>
-              <a:t>2/1/2020</a:t>
+              <a:t>2/3/2020</a:t>
             </a:fld>
             <a:endParaRPr lang="en-US" dirty="0"/>
           </a:p>
@@ -4794,7 +4884,7 @@
           <a:p>
             <a:fld id="{48A87A34-81AB-432B-8DAE-1953F412C126}" type="datetimeFigureOut">
               <a:rPr lang="en-US" dirty="0"/>
-              <a:t>2/1/2020</a:t>
+              <a:t>2/3/2020</a:t>
             </a:fld>
             <a:endParaRPr lang="en-US" dirty="0"/>
           </a:p>
@@ -5068,7 +5158,7 @@
           <a:p>
             <a:fld id="{48A87A34-81AB-432B-8DAE-1953F412C126}" type="datetimeFigureOut">
               <a:rPr lang="en-US" dirty="0"/>
-              <a:t>2/1/2020</a:t>
+              <a:t>2/3/2020</a:t>
             </a:fld>
             <a:endParaRPr lang="en-US" dirty="0"/>
           </a:p>
@@ -5378,7 +5468,7 @@
           <a:p>
             <a:fld id="{48A87A34-81AB-432B-8DAE-1953F412C126}" type="datetimeFigureOut">
               <a:rPr lang="en-US" dirty="0"/>
-              <a:t>2/1/2020</a:t>
+              <a:t>2/3/2020</a:t>
             </a:fld>
             <a:endParaRPr lang="en-US" dirty="0"/>
           </a:p>
@@ -5627,7 +5717,7 @@
             <a:fld id="{48A87A34-81AB-432B-8DAE-1953F412C126}" type="datetimeFigureOut">
               <a:rPr lang="en-US" dirty="0"/>
               <a:pPr/>
-              <a:t>2/1/2020</a:t>
+              <a:t>2/3/2020</a:t>
             </a:fld>
             <a:endParaRPr lang="en-US" dirty="0"/>
           </a:p>
@@ -6138,6 +6228,122 @@
 </p:sld>
 </file>
 
+<file path=ppt/slides/slide10.xml><?xml version="1.0" encoding="utf-8"?>
+<p:sld xmlns:a="http://schemas.openxmlformats.org/drawingml/2006/main" xmlns:r="http://schemas.openxmlformats.org/officeDocument/2006/relationships" xmlns:p="http://schemas.openxmlformats.org/presentationml/2006/main">
+  <p:cSld>
+    <p:spTree>
+      <p:nvGrpSpPr>
+        <p:cNvPr id="1" name=""/>
+        <p:cNvGrpSpPr/>
+        <p:nvPr/>
+      </p:nvGrpSpPr>
+      <p:grpSpPr>
+        <a:xfrm>
+          <a:off x="0" y="0"/>
+          <a:ext cx="0" cy="0"/>
+          <a:chOff x="0" y="0"/>
+          <a:chExt cx="0" cy="0"/>
+        </a:xfrm>
+      </p:grpSpPr>
+      <p:sp>
+        <p:nvSpPr>
+          <p:cNvPr id="2" name="Title 1">
+            <a:extLst>
+              <a:ext uri="{FF2B5EF4-FFF2-40B4-BE49-F238E27FC236}">
+                <a16:creationId xmlns:a16="http://schemas.microsoft.com/office/drawing/2014/main" id="{778288E4-2C63-4754-BE57-54D1316E0DB8}"/>
+              </a:ext>
+            </a:extLst>
+          </p:cNvPr>
+          <p:cNvSpPr>
+            <a:spLocks noGrp="1"/>
+          </p:cNvSpPr>
+          <p:nvPr>
+            <p:ph type="title"/>
+          </p:nvPr>
+        </p:nvSpPr>
+        <p:spPr/>
+        <p:txBody>
+          <a:bodyPr/>
+          <a:lstStyle/>
+          <a:p>
+            <a:r>
+              <a:rPr lang="en-US" dirty="0"/>
+              <a:t>Statistical Analysis</a:t>
+            </a:r>
+          </a:p>
+        </p:txBody>
+      </p:sp>
+      <p:sp>
+        <p:nvSpPr>
+          <p:cNvPr id="3" name="Content Placeholder 2">
+            <a:extLst>
+              <a:ext uri="{FF2B5EF4-FFF2-40B4-BE49-F238E27FC236}">
+                <a16:creationId xmlns:a16="http://schemas.microsoft.com/office/drawing/2014/main" id="{A9290040-7B81-4EA3-BD1F-16320A2BBDD0}"/>
+              </a:ext>
+            </a:extLst>
+          </p:cNvPr>
+          <p:cNvSpPr>
+            <a:spLocks noGrp="1"/>
+          </p:cNvSpPr>
+          <p:nvPr>
+            <p:ph sz="quarter" idx="13"/>
+          </p:nvPr>
+        </p:nvSpPr>
+        <p:spPr/>
+        <p:txBody>
+          <a:bodyPr/>
+          <a:lstStyle/>
+          <a:p>
+            <a:pPr marL="0" indent="0">
+              <a:buNone/>
+            </a:pPr>
+            <a:r>
+              <a:rPr lang="en-US" dirty="0"/>
+              <a:t>Null Hypothesis:</a:t>
+            </a:r>
+          </a:p>
+          <a:p>
+            <a:pPr marL="0" indent="0">
+              <a:buNone/>
+            </a:pPr>
+            <a:endParaRPr lang="en-US" dirty="0"/>
+          </a:p>
+          <a:p>
+            <a:r>
+              <a:rPr lang="en-US" dirty="0"/>
+              <a:t>P-Value:</a:t>
+            </a:r>
+          </a:p>
+          <a:p>
+            <a:pPr marL="0" indent="0">
+              <a:buNone/>
+            </a:pPr>
+            <a:endParaRPr lang="en-US" dirty="0"/>
+          </a:p>
+          <a:p>
+            <a:pPr marL="0" indent="0">
+              <a:buNone/>
+            </a:pPr>
+            <a:r>
+              <a:rPr lang="en-US" dirty="0"/>
+              <a:t>Result: </a:t>
+            </a:r>
+          </a:p>
+        </p:txBody>
+      </p:sp>
+    </p:spTree>
+    <p:extLst>
+      <p:ext uri="{BB962C8B-B14F-4D97-AF65-F5344CB8AC3E}">
+        <p14:creationId xmlns:p14="http://schemas.microsoft.com/office/powerpoint/2010/main" val="415327697"/>
+      </p:ext>
+    </p:extLst>
+  </p:cSld>
+  <p:clrMapOvr>
+    <a:masterClrMapping/>
+  </p:clrMapOvr>
+</p:sld>
+</file>
+
 <file path=ppt/slides/slide2.xml><?xml version="1.0" encoding="utf-8"?>
 <p:sld xmlns:a="http://schemas.openxmlformats.org/drawingml/2006/main" xmlns:r="http://schemas.openxmlformats.org/officeDocument/2006/relationships" xmlns:p="http://schemas.openxmlformats.org/presentationml/2006/main">
   <p:cSld>
@@ -6840,34 +7046,17 @@
           <a:p>
             <a:r>
               <a:rPr lang="en-US" dirty="0"/>
-              <a:t>Temperature FLUCTUATIONS</a:t>
-            </a:r>
-            <a:br>
-              <a:rPr lang="en-US" dirty="0"/>
-            </a:br>
-            <a:r>
-              <a:rPr lang="en-US" dirty="0"/>
-              <a:t>(</a:t>
-            </a:r>
-            <a:r>
-              <a:rPr lang="en-US" sz="2400" dirty="0">
-                <a:latin typeface="Arial Rounded MT Bold" panose="020F0704030504030204" pitchFamily="34" charset="0"/>
-              </a:rPr>
-              <a:t>Shane</a:t>
-            </a:r>
-            <a:r>
-              <a:rPr lang="en-US" dirty="0"/>
-              <a:t>)</a:t>
-            </a:r>
-          </a:p>
-        </p:txBody>
-      </p:sp>
-      <p:sp>
-        <p:nvSpPr>
-          <p:cNvPr id="3" name="Content Placeholder 2">
+              <a:t>Temperature data</a:t>
+            </a:r>
+          </a:p>
+        </p:txBody>
+      </p:sp>
+      <p:sp>
+        <p:nvSpPr>
+          <p:cNvPr id="11" name="Content Placeholder 10">
             <a:extLst>
               <a:ext uri="{FF2B5EF4-FFF2-40B4-BE49-F238E27FC236}">
-                <a16:creationId xmlns:a16="http://schemas.microsoft.com/office/drawing/2014/main" id="{814F06DC-BB99-410A-B6D7-D59012E03943}"/>
+                <a16:creationId xmlns:a16="http://schemas.microsoft.com/office/drawing/2014/main" id="{FADF1EAA-C95F-4A28-BBD3-F6129D0760B8}"/>
               </a:ext>
             </a:extLst>
           </p:cNvPr>
@@ -6883,7 +7072,7 @@
           <a:bodyPr/>
           <a:lstStyle/>
           <a:p>
-            <a:endParaRPr lang="en-US" dirty="0"/>
+            <a:endParaRPr lang="en-US"/>
           </a:p>
         </p:txBody>
       </p:sp>
@@ -6922,7 +7111,7 @@
           <p:cNvPr id="2" name="Title 1">
             <a:extLst>
               <a:ext uri="{FF2B5EF4-FFF2-40B4-BE49-F238E27FC236}">
-                <a16:creationId xmlns:a16="http://schemas.microsoft.com/office/drawing/2014/main" id="{778288E4-2C63-4754-BE57-54D1316E0DB8}"/>
+                <a16:creationId xmlns:a16="http://schemas.microsoft.com/office/drawing/2014/main" id="{FA27E6BA-EABA-47E1-940A-07387DCEA4B0}"/>
               </a:ext>
             </a:extLst>
           </p:cNvPr>
@@ -6940,73 +7129,44 @@
           <a:p>
             <a:r>
               <a:rPr lang="en-US" dirty="0"/>
-              <a:t>Statistical Analysis</a:t>
-            </a:r>
-          </a:p>
-        </p:txBody>
-      </p:sp>
-      <p:sp>
-        <p:nvSpPr>
-          <p:cNvPr id="3" name="Content Placeholder 2">
+              <a:t>Temperature data</a:t>
+            </a:r>
+          </a:p>
+        </p:txBody>
+      </p:sp>
+      <p:pic>
+        <p:nvPicPr>
+          <p:cNvPr id="9" name="Content Placeholder 8" descr="A screenshot of a cell phone&#10;&#10;Description automatically generated">
             <a:extLst>
               <a:ext uri="{FF2B5EF4-FFF2-40B4-BE49-F238E27FC236}">
-                <a16:creationId xmlns:a16="http://schemas.microsoft.com/office/drawing/2014/main" id="{A9290040-7B81-4EA3-BD1F-16320A2BBDD0}"/>
+                <a16:creationId xmlns:a16="http://schemas.microsoft.com/office/drawing/2014/main" id="{59BDCEAA-F3B5-49AE-A4E9-FB09BD04FCAE}"/>
               </a:ext>
             </a:extLst>
           </p:cNvPr>
-          <p:cNvSpPr>
-            <a:spLocks noGrp="1"/>
-          </p:cNvSpPr>
+          <p:cNvPicPr>
+            <a:picLocks noGrp="1" noChangeAspect="1"/>
+          </p:cNvPicPr>
           <p:nvPr>
             <p:ph sz="quarter" idx="13"/>
           </p:nvPr>
-        </p:nvSpPr>
-        <p:spPr/>
-        <p:txBody>
-          <a:bodyPr/>
-          <a:lstStyle/>
-          <a:p>
-            <a:pPr marL="0" indent="0">
-              <a:buNone/>
-            </a:pPr>
-            <a:r>
-              <a:rPr lang="en-US" dirty="0"/>
-              <a:t>Null Hypothesis:</a:t>
-            </a:r>
-          </a:p>
-          <a:p>
-            <a:pPr marL="0" indent="0">
-              <a:buNone/>
-            </a:pPr>
-            <a:endParaRPr lang="en-US" dirty="0"/>
-          </a:p>
-          <a:p>
-            <a:r>
-              <a:rPr lang="en-US" dirty="0"/>
-              <a:t>P-Value:</a:t>
-            </a:r>
-          </a:p>
-          <a:p>
-            <a:pPr marL="0" indent="0">
-              <a:buNone/>
-            </a:pPr>
-            <a:endParaRPr lang="en-US" dirty="0"/>
-          </a:p>
-          <a:p>
-            <a:pPr marL="0" indent="0">
-              <a:buNone/>
-            </a:pPr>
-            <a:r>
-              <a:rPr lang="en-US" dirty="0"/>
-              <a:t>Result: </a:t>
-            </a:r>
-          </a:p>
-        </p:txBody>
-      </p:sp>
+        </p:nvPicPr>
+        <p:blipFill>
+          <a:blip r:embed="rId2"/>
+          <a:stretch>
+            <a:fillRect/>
+          </a:stretch>
+        </p:blipFill>
+        <p:spPr>
+          <a:xfrm>
+            <a:off x="738440" y="2214694"/>
+            <a:ext cx="5136355" cy="3424237"/>
+          </a:xfrm>
+        </p:spPr>
+      </p:pic>
     </p:spTree>
     <p:extLst>
       <p:ext uri="{BB962C8B-B14F-4D97-AF65-F5344CB8AC3E}">
-        <p14:creationId xmlns:p14="http://schemas.microsoft.com/office/powerpoint/2010/main" val="415327697"/>
+        <p14:creationId xmlns:p14="http://schemas.microsoft.com/office/powerpoint/2010/main" val="330871973"/>
       </p:ext>
     </p:extLst>
   </p:cSld>
